--- a/Slides/VBGF2.pptx
+++ b/Slides/VBGF2.pptx
@@ -268,7 +268,7 @@
               <a:pPr>
                 <a:defRPr/>
               </a:pPr>
-              <a:t>7/21/2016</a:t>
+              <a:t>7/24/2016</a:t>
             </a:fld>
             <a:endParaRPr lang="en-US"/>
           </a:p>
@@ -770,6 +770,96 @@
 </file>
 
 <file path=ppt/notesSlides/notesSlide3.xml><?xml version="1.0" encoding="utf-8"?>
+<p:notes xmlns:a="http://schemas.openxmlformats.org/drawingml/2006/main" xmlns:r="http://schemas.openxmlformats.org/officeDocument/2006/relationships" xmlns:p="http://schemas.openxmlformats.org/presentationml/2006/main">
+  <p:cSld>
+    <p:spTree>
+      <p:nvGrpSpPr>
+        <p:cNvPr id="1" name=""/>
+        <p:cNvGrpSpPr/>
+        <p:nvPr/>
+      </p:nvGrpSpPr>
+      <p:grpSpPr>
+        <a:xfrm>
+          <a:off x="0" y="0"/>
+          <a:ext cx="0" cy="0"/>
+          <a:chOff x="0" y="0"/>
+          <a:chExt cx="0" cy="0"/>
+        </a:xfrm>
+      </p:grpSpPr>
+      <p:sp>
+        <p:nvSpPr>
+          <p:cNvPr id="2" name="Slide Image Placeholder 1"/>
+          <p:cNvSpPr>
+            <a:spLocks noGrp="1" noRot="1" noChangeAspect="1"/>
+          </p:cNvSpPr>
+          <p:nvPr>
+            <p:ph type="sldImg"/>
+          </p:nvPr>
+        </p:nvSpPr>
+        <p:spPr/>
+      </p:sp>
+      <p:sp>
+        <p:nvSpPr>
+          <p:cNvPr id="3" name="Notes Placeholder 2"/>
+          <p:cNvSpPr>
+            <a:spLocks noGrp="1"/>
+          </p:cNvSpPr>
+          <p:nvPr>
+            <p:ph type="body" idx="1"/>
+          </p:nvPr>
+        </p:nvSpPr>
+        <p:spPr/>
+        <p:txBody>
+          <a:bodyPr/>
+          <a:lstStyle/>
+          <a:p>
+            <a:endParaRPr lang="en-US" dirty="0"/>
+          </a:p>
+        </p:txBody>
+      </p:sp>
+      <p:sp>
+        <p:nvSpPr>
+          <p:cNvPr id="4" name="Slide Number Placeholder 3"/>
+          <p:cNvSpPr>
+            <a:spLocks noGrp="1"/>
+          </p:cNvSpPr>
+          <p:nvPr>
+            <p:ph type="sldNum" sz="quarter" idx="10"/>
+          </p:nvPr>
+        </p:nvSpPr>
+        <p:spPr/>
+        <p:txBody>
+          <a:bodyPr/>
+          <a:lstStyle/>
+          <a:p>
+            <a:pPr>
+              <a:defRPr/>
+            </a:pPr>
+            <a:fld id="{600BF82D-1B81-4333-9A31-CBB42AB2AA36}" type="slidenum">
+              <a:rPr lang="en-US" smtClean="0"/>
+              <a:pPr>
+                <a:defRPr/>
+              </a:pPr>
+              <a:t>5</a:t>
+            </a:fld>
+            <a:endParaRPr lang="en-US"/>
+          </a:p>
+        </p:txBody>
+      </p:sp>
+    </p:spTree>
+    <p:extLst>
+      <p:ext uri="{BB962C8B-B14F-4D97-AF65-F5344CB8AC3E}">
+        <p14:creationId xmlns:p14="http://schemas.microsoft.com/office/powerpoint/2010/main" val="3608662265"/>
+      </p:ext>
+    </p:extLst>
+  </p:cSld>
+  <p:clrMapOvr>
+    <a:masterClrMapping/>
+  </p:clrMapOvr>
+</p:notes>
+</file>
+
+<file path=ppt/notesSlides/notesSlide4.xml><?xml version="1.0" encoding="utf-8"?>
 <p:notes xmlns:a="http://schemas.openxmlformats.org/drawingml/2006/main" xmlns:r="http://schemas.openxmlformats.org/officeDocument/2006/relationships" xmlns:p="http://schemas.openxmlformats.org/presentationml/2006/main">
   <p:cSld>
     <p:spTree>
@@ -5445,10 +5535,30 @@
               <a:t>Non-significant </a:t>
             </a:r>
             <a:r>
+              <a:rPr lang="en-US" dirty="0" smtClean="0"/>
+              <a:t>(p&gt;</a:t>
+            </a:r>
+            <a:r>
+              <a:rPr lang="en-US" dirty="0" smtClean="0">
+                <a:latin typeface="Symbol" panose="05050102010706020507" pitchFamily="18" charset="2"/>
+              </a:rPr>
+              <a:t>a</a:t>
+            </a:r>
+            <a:r>
+              <a:rPr lang="en-US" dirty="0" smtClean="0"/>
+              <a:t>) </a:t>
+            </a:r>
+            <a:r>
               <a:rPr lang="en-US" dirty="0" smtClean="0">
                 <a:sym typeface="Wingdings" panose="05000000000000000000" pitchFamily="2" charset="2"/>
               </a:rPr>
-              <a:t> no parameters differ between groups; </a:t>
+              <a:t> </a:t>
+            </a:r>
+            <a:r>
+              <a:rPr lang="en-US" dirty="0" smtClean="0">
+                <a:sym typeface="Wingdings" panose="05000000000000000000" pitchFamily="2" charset="2"/>
+              </a:rPr>
+              <a:t>no parameters differ between groups; </a:t>
             </a:r>
             <a:r>
               <a:rPr lang="en-US" b="1" dirty="0" smtClean="0">
@@ -5474,10 +5584,34 @@
               <a:t>Significant </a:t>
             </a:r>
             <a:r>
+              <a:rPr lang="en-US" dirty="0"/>
+              <a:t>(</a:t>
+            </a:r>
+            <a:r>
+              <a:rPr lang="en-US" dirty="0" smtClean="0"/>
+              <a:t>p&lt;</a:t>
+            </a:r>
+            <a:r>
+              <a:rPr lang="en-US" dirty="0" smtClean="0">
+                <a:latin typeface="Symbol" panose="05050102010706020507" pitchFamily="18" charset="2"/>
+              </a:rPr>
+              <a:t>a</a:t>
+            </a:r>
+            <a:r>
+              <a:rPr lang="en-US" dirty="0"/>
+              <a:t>) </a:t>
+            </a:r>
+            <a:r>
               <a:rPr lang="en-US" dirty="0" smtClean="0">
                 <a:sym typeface="Wingdings" panose="05000000000000000000" pitchFamily="2" charset="2"/>
               </a:rPr>
-              <a:t> s</a:t>
+              <a:t> </a:t>
+            </a:r>
+            <a:r>
+              <a:rPr lang="en-US" dirty="0" smtClean="0">
+                <a:sym typeface="Wingdings" panose="05000000000000000000" pitchFamily="2" charset="2"/>
+              </a:rPr>
+              <a:t>s</a:t>
             </a:r>
             <a:r>
               <a:rPr lang="en-US" dirty="0" smtClean="0"/>
@@ -6729,6 +6863,237 @@
       </p:grpSpPr>
       <p:sp>
         <p:nvSpPr>
+          <p:cNvPr id="3" name="Content Placeholder 2"/>
+          <p:cNvSpPr>
+            <a:spLocks noGrp="1"/>
+          </p:cNvSpPr>
+          <p:nvPr>
+            <p:ph idx="1"/>
+          </p:nvPr>
+        </p:nvSpPr>
+        <p:spPr>
+          <a:xfrm>
+            <a:off x="228600" y="1143000"/>
+            <a:ext cx="8839200" cy="5334000"/>
+          </a:xfrm>
+        </p:spPr>
+        <p:txBody>
+          <a:bodyPr/>
+          <a:lstStyle/>
+          <a:p>
+            <a:pPr marL="514350" indent="-514350">
+              <a:buFont typeface="+mj-lt"/>
+              <a:buAutoNum type="arabicPeriod" startAt="3"/>
+            </a:pPr>
+            <a:r>
+              <a:rPr lang="en-US" dirty="0" smtClean="0"/>
+              <a:t>Compare </a:t>
+            </a:r>
+            <a:r>
+              <a:rPr lang="en-US" dirty="0"/>
+              <a:t>{L</a:t>
+            </a:r>
+            <a:r>
+              <a:rPr lang="en-US" baseline="-25000" dirty="0"/>
+              <a:t>∞</a:t>
+            </a:r>
+            <a:r>
+              <a:rPr lang="en-US" dirty="0"/>
+              <a:t>,</a:t>
+            </a:r>
+            <a:r>
+              <a:rPr lang="en-US" dirty="0" smtClean="0"/>
+              <a:t>K}, </a:t>
+            </a:r>
+            <a:r>
+              <a:rPr lang="en-US" dirty="0"/>
+              <a:t>{L</a:t>
+            </a:r>
+            <a:r>
+              <a:rPr lang="en-US" baseline="-25000" dirty="0"/>
+              <a:t>∞</a:t>
+            </a:r>
+            <a:r>
+              <a:rPr lang="en-US" dirty="0" smtClean="0"/>
+              <a:t>,t</a:t>
+            </a:r>
+            <a:r>
+              <a:rPr lang="en-US" baseline="-25000" dirty="0" smtClean="0"/>
+              <a:t>0</a:t>
+            </a:r>
+            <a:r>
+              <a:rPr lang="en-US" dirty="0" smtClean="0"/>
+              <a:t>}, and {K,t</a:t>
+            </a:r>
+            <a:r>
+              <a:rPr lang="en-US" baseline="-25000" dirty="0" smtClean="0"/>
+              <a:t>0</a:t>
+            </a:r>
+            <a:r>
+              <a:rPr lang="en-US" dirty="0" smtClean="0"/>
+              <a:t>} to </a:t>
+            </a:r>
+            <a:r>
+              <a:rPr lang="en-US" dirty="0"/>
+              <a:t>{L</a:t>
+            </a:r>
+            <a:r>
+              <a:rPr lang="en-US" baseline="-25000" dirty="0"/>
+              <a:t>∞</a:t>
+            </a:r>
+            <a:r>
+              <a:rPr lang="en-US" dirty="0"/>
+              <a:t>,K,t</a:t>
+            </a:r>
+            <a:r>
+              <a:rPr lang="en-US" baseline="-25000" dirty="0"/>
+              <a:t>0</a:t>
+            </a:r>
+            <a:r>
+              <a:rPr lang="en-US" dirty="0" smtClean="0"/>
+              <a:t>}</a:t>
+            </a:r>
+          </a:p>
+          <a:p>
+            <a:pPr lvl="1"/>
+            <a:r>
+              <a:rPr lang="en-US" dirty="0" smtClean="0">
+                <a:sym typeface="Wingdings" panose="05000000000000000000" pitchFamily="2" charset="2"/>
+              </a:rPr>
+              <a:t>Non-significant</a:t>
+            </a:r>
+            <a:r>
+              <a:rPr lang="en-US" dirty="0"/>
+              <a:t> (p&gt;</a:t>
+            </a:r>
+            <a:r>
+              <a:rPr lang="en-US" dirty="0">
+                <a:latin typeface="Symbol" panose="05050102010706020507" pitchFamily="18" charset="2"/>
+              </a:rPr>
+              <a:t>a</a:t>
+            </a:r>
+            <a:r>
+              <a:rPr lang="en-US" dirty="0"/>
+              <a:t>)</a:t>
+            </a:r>
+            <a:r>
+              <a:rPr lang="en-US" dirty="0" smtClean="0">
+                <a:sym typeface="Wingdings" panose="05000000000000000000" pitchFamily="2" charset="2"/>
+              </a:rPr>
+              <a:t> </a:t>
+            </a:r>
+            <a:r>
+              <a:rPr lang="en-US" dirty="0">
+                <a:sym typeface="Wingdings" panose="05000000000000000000" pitchFamily="2" charset="2"/>
+              </a:rPr>
+              <a:t> the common parameter does not differ between groups.</a:t>
+            </a:r>
+          </a:p>
+          <a:p>
+            <a:pPr lvl="1"/>
+            <a:r>
+              <a:rPr lang="en-US" dirty="0"/>
+              <a:t>Significant (</a:t>
+            </a:r>
+            <a:r>
+              <a:rPr lang="en-US" dirty="0" smtClean="0"/>
+              <a:t>p&lt;</a:t>
+            </a:r>
+            <a:r>
+              <a:rPr lang="en-US" dirty="0" smtClean="0">
+                <a:latin typeface="Symbol" panose="05050102010706020507" pitchFamily="18" charset="2"/>
+              </a:rPr>
+              <a:t>a</a:t>
+            </a:r>
+            <a:r>
+              <a:rPr lang="en-US" dirty="0"/>
+              <a:t>) </a:t>
+            </a:r>
+            <a:r>
+              <a:rPr lang="en-US" dirty="0" smtClean="0">
+                <a:sym typeface="Wingdings" panose="05000000000000000000" pitchFamily="2" charset="2"/>
+              </a:rPr>
+              <a:t> the common parameter differs between groups.</a:t>
+            </a:r>
+          </a:p>
+          <a:p>
+            <a:pPr lvl="1"/>
+            <a:endParaRPr lang="en-US" sz="1200" dirty="0" smtClean="0"/>
+          </a:p>
+          <a:p>
+            <a:pPr lvl="1"/>
+            <a:r>
+              <a:rPr lang="en-US" dirty="0" smtClean="0"/>
+              <a:t>All significant </a:t>
+            </a:r>
+            <a:r>
+              <a:rPr lang="en-US" dirty="0" smtClean="0">
+                <a:sym typeface="Wingdings" panose="05000000000000000000" pitchFamily="2" charset="2"/>
+              </a:rPr>
+              <a:t> </a:t>
+            </a:r>
+            <a:r>
+              <a:rPr lang="en-US" dirty="0" smtClean="0"/>
+              <a:t>all parameters differ between groups; </a:t>
+            </a:r>
+            <a:r>
+              <a:rPr lang="en-US" b="1" dirty="0" smtClean="0">
+                <a:solidFill>
+                  <a:srgbClr val="CC0000"/>
+                </a:solidFill>
+              </a:rPr>
+              <a:t>Stop</a:t>
+            </a:r>
+            <a:r>
+              <a:rPr lang="en-US" dirty="0" smtClean="0"/>
+              <a:t>.</a:t>
+            </a:r>
+          </a:p>
+          <a:p>
+            <a:pPr lvl="1"/>
+            <a:r>
+              <a:rPr lang="en-US" dirty="0" smtClean="0"/>
+              <a:t>Some non-significant </a:t>
+            </a:r>
+            <a:r>
+              <a:rPr lang="en-US" dirty="0" smtClean="0">
+                <a:sym typeface="Wingdings" panose="05000000000000000000" pitchFamily="2" charset="2"/>
+              </a:rPr>
+              <a:t> choose model with </a:t>
+            </a:r>
+            <a:r>
+              <a:rPr lang="en-US" dirty="0"/>
+              <a:t>lowest RSS, highest likelihood, or lowest negative </a:t>
+            </a:r>
+            <a:r>
+              <a:rPr lang="en-US" dirty="0" smtClean="0"/>
+              <a:t>log-likelihood as most parsimonious; </a:t>
+            </a:r>
+            <a:r>
+              <a:rPr lang="en-US" b="1" dirty="0" smtClean="0">
+                <a:solidFill>
+                  <a:srgbClr val="008000"/>
+                </a:solidFill>
+              </a:rPr>
+              <a:t>Continue</a:t>
+            </a:r>
+            <a:r>
+              <a:rPr lang="en-US" dirty="0" smtClean="0"/>
+              <a:t>.</a:t>
+            </a:r>
+          </a:p>
+          <a:p>
+            <a:pPr lvl="1"/>
+            <a:r>
+              <a:rPr lang="en-US" dirty="0" smtClean="0"/>
+              <a:t>Examine Handout</a:t>
+            </a:r>
+            <a:endParaRPr lang="en-US" dirty="0"/>
+          </a:p>
+        </p:txBody>
+      </p:sp>
+      <p:sp>
+        <p:nvSpPr>
           <p:cNvPr id="2" name="Title 1"/>
           <p:cNvSpPr>
             <a:spLocks noGrp="1"/>
@@ -6750,197 +7115,6 @@
             <a:r>
               <a:rPr lang="en-US" dirty="0" smtClean="0"/>
               <a:t>Steps in Comparison</a:t>
-            </a:r>
-            <a:endParaRPr lang="en-US" dirty="0"/>
-          </a:p>
-        </p:txBody>
-      </p:sp>
-      <p:sp>
-        <p:nvSpPr>
-          <p:cNvPr id="3" name="Content Placeholder 2"/>
-          <p:cNvSpPr>
-            <a:spLocks noGrp="1"/>
-          </p:cNvSpPr>
-          <p:nvPr>
-            <p:ph idx="1"/>
-          </p:nvPr>
-        </p:nvSpPr>
-        <p:spPr>
-          <a:xfrm>
-            <a:off x="228600" y="1143000"/>
-            <a:ext cx="8839200" cy="5334000"/>
-          </a:xfrm>
-        </p:spPr>
-        <p:txBody>
-          <a:bodyPr/>
-          <a:lstStyle/>
-          <a:p>
-            <a:pPr marL="514350" indent="-514350">
-              <a:buFont typeface="+mj-lt"/>
-              <a:buAutoNum type="arabicPeriod" startAt="3"/>
-            </a:pPr>
-            <a:r>
-              <a:rPr lang="en-US" dirty="0" smtClean="0"/>
-              <a:t>Compare </a:t>
-            </a:r>
-            <a:r>
-              <a:rPr lang="en-US" dirty="0"/>
-              <a:t>{L</a:t>
-            </a:r>
-            <a:r>
-              <a:rPr lang="en-US" baseline="-25000" dirty="0"/>
-              <a:t>∞</a:t>
-            </a:r>
-            <a:r>
-              <a:rPr lang="en-US" dirty="0"/>
-              <a:t>,</a:t>
-            </a:r>
-            <a:r>
-              <a:rPr lang="en-US" dirty="0" smtClean="0"/>
-              <a:t>K}, </a:t>
-            </a:r>
-            <a:r>
-              <a:rPr lang="en-US" dirty="0"/>
-              <a:t>{L</a:t>
-            </a:r>
-            <a:r>
-              <a:rPr lang="en-US" baseline="-25000" dirty="0"/>
-              <a:t>∞</a:t>
-            </a:r>
-            <a:r>
-              <a:rPr lang="en-US" dirty="0" smtClean="0"/>
-              <a:t>,t</a:t>
-            </a:r>
-            <a:r>
-              <a:rPr lang="en-US" baseline="-25000" dirty="0" smtClean="0"/>
-              <a:t>0</a:t>
-            </a:r>
-            <a:r>
-              <a:rPr lang="en-US" dirty="0" smtClean="0"/>
-              <a:t>}, and {K,t</a:t>
-            </a:r>
-            <a:r>
-              <a:rPr lang="en-US" baseline="-25000" dirty="0" smtClean="0"/>
-              <a:t>0</a:t>
-            </a:r>
-            <a:r>
-              <a:rPr lang="en-US" dirty="0" smtClean="0"/>
-              <a:t>} to </a:t>
-            </a:r>
-            <a:r>
-              <a:rPr lang="en-US" dirty="0"/>
-              <a:t>{L</a:t>
-            </a:r>
-            <a:r>
-              <a:rPr lang="en-US" baseline="-25000" dirty="0"/>
-              <a:t>∞</a:t>
-            </a:r>
-            <a:r>
-              <a:rPr lang="en-US" dirty="0"/>
-              <a:t>,K,t</a:t>
-            </a:r>
-            <a:r>
-              <a:rPr lang="en-US" baseline="-25000" dirty="0"/>
-              <a:t>0</a:t>
-            </a:r>
-            <a:r>
-              <a:rPr lang="en-US" dirty="0" smtClean="0"/>
-              <a:t>}</a:t>
-            </a:r>
-          </a:p>
-          <a:p>
-            <a:pPr lvl="1"/>
-            <a:r>
-              <a:rPr lang="en-US" dirty="0">
-                <a:sym typeface="Wingdings" panose="05000000000000000000" pitchFamily="2" charset="2"/>
-              </a:rPr>
-              <a:t>Non-significant  the common parameter does not differ between groups.</a:t>
-            </a:r>
-          </a:p>
-          <a:p>
-            <a:pPr lvl="1"/>
-            <a:r>
-              <a:rPr lang="en-US" dirty="0" smtClean="0"/>
-              <a:t>Significant </a:t>
-            </a:r>
-            <a:r>
-              <a:rPr lang="en-US" dirty="0" smtClean="0">
-                <a:sym typeface="Wingdings" panose="05000000000000000000" pitchFamily="2" charset="2"/>
-              </a:rPr>
-              <a:t> the common parameter differs between groups.</a:t>
-            </a:r>
-          </a:p>
-          <a:p>
-            <a:pPr lvl="1"/>
-            <a:endParaRPr lang="en-US" sz="1200" dirty="0" smtClean="0"/>
-          </a:p>
-          <a:p>
-            <a:pPr lvl="1"/>
-            <a:r>
-              <a:rPr lang="en-US" dirty="0" smtClean="0"/>
-              <a:t>All significant </a:t>
-            </a:r>
-            <a:r>
-              <a:rPr lang="en-US" dirty="0" smtClean="0">
-                <a:sym typeface="Wingdings" panose="05000000000000000000" pitchFamily="2" charset="2"/>
-              </a:rPr>
-              <a:t> </a:t>
-            </a:r>
-            <a:r>
-              <a:rPr lang="en-US" dirty="0" smtClean="0"/>
-              <a:t>all parameters differ between groups; </a:t>
-            </a:r>
-            <a:r>
-              <a:rPr lang="en-US" b="1" dirty="0" smtClean="0">
-                <a:solidFill>
-                  <a:srgbClr val="CC0000"/>
-                </a:solidFill>
-              </a:rPr>
-              <a:t>Stop</a:t>
-            </a:r>
-            <a:r>
-              <a:rPr lang="en-US" dirty="0" smtClean="0"/>
-              <a:t>.</a:t>
-            </a:r>
-          </a:p>
-          <a:p>
-            <a:pPr lvl="1"/>
-            <a:r>
-              <a:rPr lang="en-US" dirty="0" smtClean="0"/>
-              <a:t>Some non-significant </a:t>
-            </a:r>
-            <a:r>
-              <a:rPr lang="en-US" dirty="0" smtClean="0">
-                <a:sym typeface="Wingdings" panose="05000000000000000000" pitchFamily="2" charset="2"/>
-              </a:rPr>
-              <a:t> choose model with </a:t>
-            </a:r>
-            <a:r>
-              <a:rPr lang="en-US" dirty="0"/>
-              <a:t>lowest RSS, highest likelihood, or lowest negative </a:t>
-            </a:r>
-            <a:r>
-              <a:rPr lang="en-US" dirty="0" smtClean="0"/>
-              <a:t>log-likelihood as most parsimonious; </a:t>
-            </a:r>
-            <a:r>
-              <a:rPr lang="en-US" b="1" dirty="0" smtClean="0">
-                <a:solidFill>
-                  <a:srgbClr val="008000"/>
-                </a:solidFill>
-              </a:rPr>
-              <a:t>Continue</a:t>
-            </a:r>
-            <a:r>
-              <a:rPr lang="en-US" dirty="0" smtClean="0"/>
-              <a:t>.</a:t>
-            </a:r>
-          </a:p>
-          <a:p>
-            <a:pPr lvl="1"/>
-            <a:r>
-              <a:rPr lang="en-US" dirty="0" smtClean="0"/>
-              <a:t>Examine Handout</a:t>
             </a:r>
             <a:endParaRPr lang="en-US" dirty="0"/>
           </a:p>
@@ -6955,7 +7129,7 @@
           <p:nvPr/>
         </p:nvPicPr>
         <p:blipFill>
-          <a:blip r:embed="rId2"/>
+          <a:blip r:embed="rId3"/>
           <a:stretch>
             <a:fillRect/>
           </a:stretch>
@@ -7730,6 +7904,137 @@
       </p:grpSpPr>
       <p:sp>
         <p:nvSpPr>
+          <p:cNvPr id="3" name="Content Placeholder 2"/>
+          <p:cNvSpPr>
+            <a:spLocks noGrp="1"/>
+          </p:cNvSpPr>
+          <p:nvPr>
+            <p:ph idx="1"/>
+          </p:nvPr>
+        </p:nvSpPr>
+        <p:spPr>
+          <a:xfrm>
+            <a:off x="228600" y="1143000"/>
+            <a:ext cx="8839200" cy="5334000"/>
+          </a:xfrm>
+        </p:spPr>
+        <p:txBody>
+          <a:bodyPr/>
+          <a:lstStyle/>
+          <a:p>
+            <a:pPr marL="514350" indent="-514350">
+              <a:buFont typeface="+mj-lt"/>
+              <a:buAutoNum type="arabicPeriod" startAt="4"/>
+            </a:pPr>
+            <a:r>
+              <a:rPr lang="en-US" dirty="0" smtClean="0"/>
+              <a:t>Compare two of </a:t>
+            </a:r>
+            <a:r>
+              <a:rPr lang="en-US" dirty="0"/>
+              <a:t>{L</a:t>
+            </a:r>
+            <a:r>
+              <a:rPr lang="en-US" baseline="-25000" dirty="0" smtClean="0"/>
+              <a:t>∞</a:t>
+            </a:r>
+            <a:r>
+              <a:rPr lang="en-US" dirty="0" smtClean="0"/>
+              <a:t>}, {K}, or {t</a:t>
+            </a:r>
+            <a:r>
+              <a:rPr lang="en-US" baseline="-25000" dirty="0" smtClean="0"/>
+              <a:t>0</a:t>
+            </a:r>
+            <a:r>
+              <a:rPr lang="en-US" dirty="0" smtClean="0"/>
+              <a:t>} to most parsimonious two-parameter model.</a:t>
+            </a:r>
+          </a:p>
+          <a:p>
+            <a:pPr lvl="1"/>
+            <a:r>
+              <a:rPr lang="en-US" dirty="0" smtClean="0">
+                <a:sym typeface="Wingdings" panose="05000000000000000000" pitchFamily="2" charset="2"/>
+              </a:rPr>
+              <a:t>Non-significant</a:t>
+            </a:r>
+            <a:r>
+              <a:rPr lang="en-US" dirty="0"/>
+              <a:t> (p&gt;</a:t>
+            </a:r>
+            <a:r>
+              <a:rPr lang="en-US" dirty="0">
+                <a:latin typeface="Symbol" panose="05050102010706020507" pitchFamily="18" charset="2"/>
+              </a:rPr>
+              <a:t>a</a:t>
+            </a:r>
+            <a:r>
+              <a:rPr lang="en-US" dirty="0"/>
+              <a:t>)</a:t>
+            </a:r>
+            <a:r>
+              <a:rPr lang="en-US" dirty="0" smtClean="0">
+                <a:sym typeface="Wingdings" panose="05000000000000000000" pitchFamily="2" charset="2"/>
+              </a:rPr>
+              <a:t> </a:t>
+            </a:r>
+            <a:r>
+              <a:rPr lang="en-US" dirty="0">
+                <a:sym typeface="Wingdings" panose="05000000000000000000" pitchFamily="2" charset="2"/>
+              </a:rPr>
+              <a:t> the common parameter does not differ between groups.</a:t>
+            </a:r>
+          </a:p>
+          <a:p>
+            <a:pPr lvl="1"/>
+            <a:r>
+              <a:rPr lang="en-US" dirty="0"/>
+              <a:t>Significant (</a:t>
+            </a:r>
+            <a:r>
+              <a:rPr lang="en-US" dirty="0" smtClean="0"/>
+              <a:t>p&lt;</a:t>
+            </a:r>
+            <a:r>
+              <a:rPr lang="en-US" dirty="0" smtClean="0">
+                <a:latin typeface="Symbol" panose="05050102010706020507" pitchFamily="18" charset="2"/>
+              </a:rPr>
+              <a:t>a</a:t>
+            </a:r>
+            <a:r>
+              <a:rPr lang="en-US" dirty="0"/>
+              <a:t>) </a:t>
+            </a:r>
+            <a:r>
+              <a:rPr lang="en-US" dirty="0">
+                <a:sym typeface="Wingdings" panose="05000000000000000000" pitchFamily="2" charset="2"/>
+              </a:rPr>
+              <a:t> the common parameter differs between </a:t>
+            </a:r>
+            <a:r>
+              <a:rPr lang="en-US" dirty="0" smtClean="0">
+                <a:sym typeface="Wingdings" panose="05000000000000000000" pitchFamily="2" charset="2"/>
+              </a:rPr>
+              <a:t>groups.</a:t>
+            </a:r>
+          </a:p>
+          <a:p>
+            <a:pPr lvl="1"/>
+            <a:r>
+              <a:rPr lang="en-US" dirty="0" smtClean="0">
+                <a:sym typeface="Wingdings" panose="05000000000000000000" pitchFamily="2" charset="2"/>
+              </a:rPr>
+              <a:t>Examine Handout</a:t>
+            </a:r>
+            <a:endParaRPr lang="en-US" dirty="0">
+              <a:sym typeface="Wingdings" panose="05000000000000000000" pitchFamily="2" charset="2"/>
+            </a:endParaRPr>
+          </a:p>
+        </p:txBody>
+      </p:sp>
+      <p:sp>
+        <p:nvSpPr>
           <p:cNvPr id="2" name="Title 1"/>
           <p:cNvSpPr>
             <a:spLocks noGrp="1"/>
@@ -7753,97 +8058,6 @@
               <a:t>Steps in Comparison</a:t>
             </a:r>
             <a:endParaRPr lang="en-US" dirty="0"/>
-          </a:p>
-        </p:txBody>
-      </p:sp>
-      <p:sp>
-        <p:nvSpPr>
-          <p:cNvPr id="3" name="Content Placeholder 2"/>
-          <p:cNvSpPr>
-            <a:spLocks noGrp="1"/>
-          </p:cNvSpPr>
-          <p:nvPr>
-            <p:ph idx="1"/>
-          </p:nvPr>
-        </p:nvSpPr>
-        <p:spPr>
-          <a:xfrm>
-            <a:off x="228600" y="1143000"/>
-            <a:ext cx="8839200" cy="5334000"/>
-          </a:xfrm>
-        </p:spPr>
-        <p:txBody>
-          <a:bodyPr/>
-          <a:lstStyle/>
-          <a:p>
-            <a:pPr marL="514350" indent="-514350">
-              <a:buFont typeface="+mj-lt"/>
-              <a:buAutoNum type="arabicPeriod" startAt="4"/>
-            </a:pPr>
-            <a:r>
-              <a:rPr lang="en-US" dirty="0" smtClean="0"/>
-              <a:t>Compare two of </a:t>
-            </a:r>
-            <a:r>
-              <a:rPr lang="en-US" dirty="0"/>
-              <a:t>{L</a:t>
-            </a:r>
-            <a:r>
-              <a:rPr lang="en-US" baseline="-25000" dirty="0" smtClean="0"/>
-              <a:t>∞</a:t>
-            </a:r>
-            <a:r>
-              <a:rPr lang="en-US" dirty="0" smtClean="0"/>
-              <a:t>}, {K}, or {t</a:t>
-            </a:r>
-            <a:r>
-              <a:rPr lang="en-US" baseline="-25000" dirty="0" smtClean="0"/>
-              <a:t>0</a:t>
-            </a:r>
-            <a:r>
-              <a:rPr lang="en-US" dirty="0" smtClean="0"/>
-              <a:t>} to most parsimonious two-parameter model.</a:t>
-            </a:r>
-          </a:p>
-          <a:p>
-            <a:pPr lvl="1"/>
-            <a:r>
-              <a:rPr lang="en-US" dirty="0">
-                <a:sym typeface="Wingdings" panose="05000000000000000000" pitchFamily="2" charset="2"/>
-              </a:rPr>
-              <a:t>Non-significant  the common parameter does not differ between groups.</a:t>
-            </a:r>
-          </a:p>
-          <a:p>
-            <a:pPr lvl="1"/>
-            <a:r>
-              <a:rPr lang="en-US" dirty="0"/>
-              <a:t>Significant </a:t>
-            </a:r>
-            <a:r>
-              <a:rPr lang="en-US" dirty="0">
-                <a:sym typeface="Wingdings" panose="05000000000000000000" pitchFamily="2" charset="2"/>
-              </a:rPr>
-              <a:t> the common parameter differs between </a:t>
-            </a:r>
-            <a:r>
-              <a:rPr lang="en-US" dirty="0" smtClean="0">
-                <a:sym typeface="Wingdings" panose="05000000000000000000" pitchFamily="2" charset="2"/>
-              </a:rPr>
-              <a:t>groups.</a:t>
-            </a:r>
-          </a:p>
-          <a:p>
-            <a:pPr lvl="1"/>
-            <a:r>
-              <a:rPr lang="en-US" dirty="0" smtClean="0">
-                <a:sym typeface="Wingdings" panose="05000000000000000000" pitchFamily="2" charset="2"/>
-              </a:rPr>
-              <a:t>Examine Handout</a:t>
-            </a:r>
-            <a:endParaRPr lang="en-US" dirty="0">
-              <a:sym typeface="Wingdings" panose="05000000000000000000" pitchFamily="2" charset="2"/>
-            </a:endParaRPr>
           </a:p>
         </p:txBody>
       </p:sp>
